--- a/01 Classes/Aula02- Internet HTML - Parte 1.pptx
+++ b/01 Classes/Aula02- Internet HTML - Parte 1.pptx
@@ -6425,8 +6425,8 @@
         </p:nvSpPr>
         <p:spPr>
           <a:xfrm>
-            <a:off x="382903" y="1236825"/>
-            <a:ext cx="7022608" cy="3785652"/>
+            <a:off x="382902" y="1236825"/>
+            <a:ext cx="7745097" cy="3477875"/>
           </a:xfrm>
           <a:prstGeom prst="rect">
             <a:avLst/>
@@ -6507,6 +6507,10 @@
           </a:p>
           <a:p>
             <a:pPr algn="just"/>
+            <a:endParaRPr lang="pt-BR" sz="2000" b="1" dirty="0"/>
+          </a:p>
+          <a:p>
+            <a:pPr algn="just"/>
             <a:r>
               <a:rPr lang="pt-BR" sz="2000" b="1" dirty="0"/>
               <a:t>Extensões </a:t>
@@ -6568,6 +6572,10 @@
               </a:rPr>
               <a:t>https://www.w3schools.com/html/</a:t>
             </a:r>
+            <a:endParaRPr lang="pt-BR" sz="2000" dirty="0"/>
+          </a:p>
+          <a:p>
+            <a:pPr algn="just"/>
             <a:endParaRPr lang="pt-BR" sz="2000" dirty="0"/>
           </a:p>
           <a:p>
@@ -6601,192 +6609,29 @@
             <a:pPr algn="just"/>
             <a:r>
               <a:rPr lang="pt-BR" sz="2000" dirty="0"/>
-              <a:t>	h1; p; </a:t>
+              <a:t>	h1; p; body - (</a:t>
             </a:r>
             <a:r>
               <a:rPr lang="pt-BR" sz="2000" dirty="0" err="1"/>
-              <a:t>tr</a:t>
+              <a:t>bgcolor</a:t>
             </a:r>
             <a:r>
               <a:rPr lang="pt-BR" sz="2000" dirty="0"/>
-              <a:t>; </a:t>
-            </a:r>
-            <a:r>
-              <a:rPr lang="pt-BR" sz="2000" dirty="0" err="1"/>
-              <a:t>br</a:t>
+              <a:t>:"</a:t>
+            </a:r>
+            <a:r>
+              <a:rPr lang="pt-BR" sz="2000" b="1" dirty="0" err="1"/>
+              <a:t>pink</a:t>
             </a:r>
             <a:r>
               <a:rPr lang="pt-BR" sz="2000" dirty="0"/>
-              <a:t>; </a:t>
-            </a:r>
-            <a:r>
-              <a:rPr lang="pt-BR" sz="2000" dirty="0" err="1"/>
-              <a:t>ul</a:t>
-            </a:r>
-            <a:r>
-              <a:rPr lang="pt-BR" sz="2000" dirty="0"/>
-              <a:t>/li; </a:t>
-            </a:r>
-            <a:r>
-              <a:rPr lang="pt-BR" sz="2000" dirty="0" err="1"/>
-              <a:t>ol</a:t>
-            </a:r>
-            <a:r>
-              <a:rPr lang="pt-BR" sz="2000" dirty="0"/>
-              <a:t>/li; a/</a:t>
-            </a:r>
-            <a:r>
-              <a:rPr lang="pt-BR" sz="2000" b="1" dirty="0" err="1">
-                <a:solidFill>
-                  <a:srgbClr val="FF0000"/>
-                </a:solidFill>
-              </a:rPr>
-              <a:t>href</a:t>
-            </a:r>
-            <a:r>
-              <a:rPr lang="pt-BR" sz="2000" b="1" dirty="0">
-                <a:solidFill>
-                  <a:srgbClr val="FF0000"/>
-                </a:solidFill>
-              </a:rPr>
-              <a:t>/target</a:t>
-            </a:r>
-            <a:r>
-              <a:rPr lang="pt-BR" sz="2000" dirty="0"/>
-              <a:t>; </a:t>
-            </a:r>
-            <a:r>
-              <a:rPr lang="pt-BR" sz="2000" dirty="0" err="1"/>
-              <a:t>img</a:t>
-            </a:r>
-            <a:r>
-              <a:rPr lang="pt-BR" sz="2000" dirty="0"/>
-              <a:t>/</a:t>
-            </a:r>
-            <a:r>
-              <a:rPr lang="pt-BR" sz="2000" b="1" dirty="0" err="1">
-                <a:solidFill>
-                  <a:srgbClr val="FF0000"/>
-                </a:solidFill>
-              </a:rPr>
-              <a:t>src</a:t>
-            </a:r>
-            <a:r>
-              <a:rPr lang="pt-BR" sz="2000" b="1" dirty="0">
-                <a:solidFill>
-                  <a:srgbClr val="FF0000"/>
-                </a:solidFill>
-              </a:rPr>
-              <a:t>/</a:t>
-            </a:r>
-            <a:r>
-              <a:rPr lang="pt-BR" sz="2000" b="1" dirty="0" err="1">
-                <a:solidFill>
-                  <a:srgbClr val="FF0000"/>
-                </a:solidFill>
-              </a:rPr>
-              <a:t>alt</a:t>
-            </a:r>
-            <a:r>
-              <a:rPr lang="pt-BR" sz="2000" dirty="0"/>
-              <a:t>; figure/</a:t>
-            </a:r>
-            <a:r>
-              <a:rPr lang="pt-BR" sz="2000" dirty="0" err="1"/>
-              <a:t>img</a:t>
-            </a:r>
-            <a:r>
-              <a:rPr lang="pt-BR" sz="2000" dirty="0"/>
-              <a:t>/</a:t>
-            </a:r>
-            <a:r>
-              <a:rPr lang="pt-BR" sz="2000" dirty="0" err="1"/>
-              <a:t>figcaption</a:t>
-            </a:r>
-            <a:r>
-              <a:rPr lang="pt-BR" sz="2000" dirty="0"/>
-              <a:t>; </a:t>
-            </a:r>
-            <a:r>
-              <a:rPr lang="pt-BR" sz="2000" dirty="0" err="1"/>
-              <a:t>strong</a:t>
-            </a:r>
-            <a:r>
-              <a:rPr lang="pt-BR" sz="2000" dirty="0"/>
-              <a:t>; i; </a:t>
-            </a:r>
-            <a:r>
-              <a:rPr lang="pt-BR" sz="2000" dirty="0" err="1"/>
-              <a:t>sup</a:t>
-            </a:r>
-            <a:r>
-              <a:rPr lang="pt-BR" sz="2000" dirty="0"/>
-              <a:t>; header; </a:t>
-            </a:r>
-            <a:r>
-              <a:rPr lang="pt-BR" sz="2000" dirty="0" err="1"/>
-              <a:t>footer</a:t>
-            </a:r>
-            <a:r>
-              <a:rPr lang="pt-BR" sz="2000" dirty="0"/>
-              <a:t>; </a:t>
-            </a:r>
-            <a:r>
-              <a:rPr lang="pt-BR" sz="2000" dirty="0" err="1"/>
-              <a:t>section</a:t>
-            </a:r>
-            <a:r>
-              <a:rPr lang="pt-BR" sz="2000" dirty="0"/>
-              <a:t>; </a:t>
-            </a:r>
-            <a:r>
-              <a:rPr lang="pt-BR" sz="2000" dirty="0" err="1"/>
-              <a:t>aside</a:t>
-            </a:r>
-            <a:r>
-              <a:rPr lang="pt-BR" sz="2000" dirty="0"/>
-              <a:t>; </a:t>
-            </a:r>
-            <a:r>
-              <a:rPr lang="pt-BR" sz="2000" dirty="0" err="1"/>
-              <a:t>div</a:t>
-            </a:r>
-            <a:r>
-              <a:rPr lang="pt-BR" sz="2000" dirty="0"/>
-              <a:t>; </a:t>
-            </a:r>
-            <a:r>
-              <a:rPr lang="pt-BR" sz="2000" dirty="0" err="1"/>
-              <a:t>nav</a:t>
-            </a:r>
-            <a:r>
-              <a:rPr lang="pt-BR" sz="2000" dirty="0"/>
-              <a:t>; </a:t>
-            </a:r>
-            <a:r>
-              <a:rPr lang="pt-BR" sz="2000" dirty="0" err="1"/>
-              <a:t>table</a:t>
-            </a:r>
-            <a:r>
-              <a:rPr lang="pt-BR" sz="2000" dirty="0"/>
-              <a:t>; </a:t>
-            </a:r>
-            <a:r>
-              <a:rPr lang="pt-BR" sz="2000" dirty="0" err="1"/>
-              <a:t>form</a:t>
-            </a:r>
-            <a:r>
-              <a:rPr lang="pt-BR" sz="2000" dirty="0"/>
-              <a:t>/</a:t>
-            </a:r>
-            <a:r>
-              <a:rPr lang="pt-BR" sz="2000" dirty="0">
-                <a:solidFill>
-                  <a:schemeClr val="tx1"/>
-                </a:solidFill>
-              </a:rPr>
-              <a:t>input</a:t>
-            </a:r>
+              <a:t>"); </a:t>
+            </a:r>
+            <a:endParaRPr lang="pt-BR" sz="2000" dirty="0">
+              <a:solidFill>
+                <a:schemeClr val="tx1"/>
+              </a:solidFill>
+            </a:endParaRPr>
           </a:p>
         </p:txBody>
       </p:sp>
@@ -7298,8 +7143,13 @@
             <a:pPr algn="just" eaLnBrk="0" hangingPunct="0"/>
             <a:r>
               <a:rPr lang="pt-BR" sz="2000" dirty="0"/>
-              <a:t>Criar página web</a:t>
-            </a:r>
+              <a:t>	Criar página </a:t>
+            </a:r>
+            <a:r>
+              <a:rPr lang="pt-BR" sz="2000"/>
+              <a:t>web temática</a:t>
+            </a:r>
+            <a:endParaRPr lang="pt-BR" sz="2000" dirty="0"/>
           </a:p>
           <a:p>
             <a:pPr algn="just" eaLnBrk="0" hangingPunct="0"/>
@@ -7332,7 +7182,7 @@
             <a:pPr algn="just" eaLnBrk="0" hangingPunct="0"/>
             <a:r>
               <a:rPr lang="pt-BR" sz="2000" dirty="0"/>
-              <a:t>Criar página web e publicar no </a:t>
+              <a:t>	Criar página web e publicar no </a:t>
             </a:r>
             <a:r>
               <a:rPr lang="pt-BR" sz="2000" dirty="0" err="1"/>
